--- a/different_font.pptx
+++ b/different_font.pptx
@@ -3650,7 +3650,7 @@
         <p:spPr>
           <a:xfrm>
             <a:off x="522514" y="2220686"/>
-            <a:ext cx="671979" cy="369332"/>
+            <a:ext cx="559769" cy="369332"/>
           </a:xfrm>
           <a:prstGeom prst="rect">
             <a:avLst/>
@@ -3665,76 +3665,51 @@
           <a:p>
             <a:r>
               <a:rPr lang="en-US" dirty="0" err="1">
-                <a:latin typeface="Arial Black" panose="020B0A04020102020204" pitchFamily="34" charset="0"/>
+                <a:solidFill>
+                  <a:srgbClr val="FF0000"/>
+                </a:solidFill>
+                <a:highlight>
+                  <a:srgbClr val="FFFF00"/>
+                </a:highlight>
+                <a:latin typeface="Abadi" panose="020B0604020104020204" pitchFamily="34" charset="0"/>
               </a:rPr>
               <a:t>Abc</a:t>
             </a:r>
             <a:endParaRPr lang="en-US" dirty="0">
-              <a:latin typeface="Arial Black" panose="020B0A04020102020204" pitchFamily="34" charset="0"/>
+              <a:solidFill>
+                <a:srgbClr val="FF0000"/>
+              </a:solidFill>
+              <a:highlight>
+                <a:srgbClr val="FFFF00"/>
+              </a:highlight>
+              <a:latin typeface="Abadi" panose="020B0604020104020204" pitchFamily="34" charset="0"/>
             </a:endParaRPr>
           </a:p>
         </p:txBody>
       </p:sp>
       <p:sp>
         <p:nvSpPr>
-          <p:cNvPr id="5" name="テキスト ボックス 4">
-            <a:extLst>
-              <a:ext uri="{FF2B5EF4-FFF2-40B4-BE49-F238E27FC236}">
-                <a16:creationId xmlns:a16="http://schemas.microsoft.com/office/drawing/2014/main" id="{7D8EDD26-6606-30BC-49BF-258AE2A8AF5F}"/>
-              </a:ext>
-            </a:extLst>
-          </p:cNvPr>
-          <p:cNvSpPr txBox="1"/>
+          <p:cNvPr id="7" name="正方形/長方形 6">
+            <a:extLst>
+              <a:ext uri="{FF2B5EF4-FFF2-40B4-BE49-F238E27FC236}">
+                <a16:creationId xmlns:a16="http://schemas.microsoft.com/office/drawing/2014/main" id="{4837B3AA-9C94-968D-1994-AA43632C3D79}"/>
+              </a:ext>
+            </a:extLst>
+          </p:cNvPr>
+          <p:cNvSpPr/>
           <p:nvPr/>
         </p:nvSpPr>
         <p:spPr>
           <a:xfrm>
-            <a:off x="3320143" y="2405352"/>
-            <a:ext cx="582211" cy="369332"/>
+            <a:off x="3128554" y="1345474"/>
+            <a:ext cx="1887583" cy="1939835"/>
           </a:xfrm>
           <a:prstGeom prst="rect">
             <a:avLst/>
           </a:prstGeom>
-          <a:noFill/>
-        </p:spPr>
-        <p:txBody>
-          <a:bodyPr wrap="none" rtlCol="0">
-            <a:spAutoFit/>
-          </a:bodyPr>
-          <a:lstStyle/>
-          <a:p>
-            <a:r>
-              <a:rPr lang="en-US" dirty="0" err="1">
-                <a:latin typeface="Amasis MT Pro Black" panose="020B0604020202020204" pitchFamily="18" charset="0"/>
-              </a:rPr>
-              <a:t>Abc</a:t>
-            </a:r>
-            <a:endParaRPr lang="en-US" dirty="0">
-              <a:latin typeface="Amasis MT Pro Black" panose="020B0604020202020204" pitchFamily="18" charset="0"/>
-            </a:endParaRPr>
-          </a:p>
-        </p:txBody>
-      </p:sp>
-      <p:sp>
-        <p:nvSpPr>
-          <p:cNvPr id="2" name="正方形/長方形 1">
-            <a:extLst>
-              <a:ext uri="{FF2B5EF4-FFF2-40B4-BE49-F238E27FC236}">
-                <a16:creationId xmlns:a16="http://schemas.microsoft.com/office/drawing/2014/main" id="{30A9CB1C-C11F-9463-2B04-404ED668356C}"/>
-              </a:ext>
-            </a:extLst>
-          </p:cNvPr>
-          <p:cNvSpPr/>
-          <p:nvPr/>
-        </p:nvSpPr>
-        <p:spPr>
-          <a:xfrm>
-            <a:off x="5134303" y="1849821"/>
-            <a:ext cx="2307021" cy="2543503"/>
-          </a:xfrm>
-          <a:prstGeom prst="rect">
-            <a:avLst/>
-          </a:prstGeom>
+          <a:solidFill>
+            <a:srgbClr val="00B050"/>
+          </a:solidFill>
         </p:spPr>
         <p:style>
           <a:lnRef idx="2">
@@ -3757,21 +3732,18 @@
           <a:lstStyle/>
           <a:p>
             <a:pPr algn="ctr"/>
-            <a:r>
-              <a:rPr lang="en-US" dirty="0">
-                <a:latin typeface="Berlin Sans FB Demi" panose="020B0604020202020204" pitchFamily="34" charset="0"/>
-              </a:rPr>
-              <a:t>BCD</a:t>
-            </a:r>
-          </a:p>
-        </p:txBody>
-      </p:sp>
-      <p:sp>
-        <p:nvSpPr>
-          <p:cNvPr id="3" name="テキスト ボックス 2">
-            <a:extLst>
-              <a:ext uri="{FF2B5EF4-FFF2-40B4-BE49-F238E27FC236}">
-                <a16:creationId xmlns:a16="http://schemas.microsoft.com/office/drawing/2014/main" id="{7391B1F7-0BEC-590C-959E-C24949EE372A}"/>
+            <a:endParaRPr lang="en-US">
+              <a:latin typeface="Abadi" panose="020B0604020104020204" pitchFamily="34" charset="0"/>
+            </a:endParaRPr>
+          </a:p>
+        </p:txBody>
+      </p:sp>
+      <p:sp>
+        <p:nvSpPr>
+          <p:cNvPr id="8" name="テキスト ボックス 7">
+            <a:extLst>
+              <a:ext uri="{FF2B5EF4-FFF2-40B4-BE49-F238E27FC236}">
+                <a16:creationId xmlns:a16="http://schemas.microsoft.com/office/drawing/2014/main" id="{2C75927F-24BA-CDDC-074E-446A678CA27C}"/>
               </a:ext>
             </a:extLst>
           </p:cNvPr>
@@ -3780,8 +3752,8 @@
         </p:nvSpPr>
         <p:spPr>
           <a:xfrm>
-            <a:off x="804041" y="1087821"/>
-            <a:ext cx="2243958" cy="369332"/>
+            <a:off x="7811589" y="3735977"/>
+            <a:ext cx="928459" cy="646331"/>
           </a:xfrm>
           <a:prstGeom prst="rect">
             <a:avLst/>
@@ -3789,16 +3761,22 @@
           <a:noFill/>
         </p:spPr>
         <p:txBody>
-          <a:bodyPr wrap="square" rtlCol="0">
+          <a:bodyPr wrap="none" rtlCol="0">
             <a:spAutoFit/>
           </a:bodyPr>
           <a:lstStyle/>
           <a:p>
             <a:r>
-              <a:rPr lang="en-US" dirty="0" err="1"/>
-              <a:t>nofont</a:t>
-            </a:r>
-            <a:endParaRPr lang="en-US" dirty="0"/>
+              <a:rPr lang="en-US" dirty="0">
+                <a:latin typeface="Amasis MT Pro Light" panose="020B0604020202020204" pitchFamily="18" charset="0"/>
+              </a:rPr>
+              <a:t>Normal</a:t>
+            </a:r>
+          </a:p>
+          <a:p>
+            <a:endParaRPr lang="en-US" dirty="0">
+              <a:latin typeface="Amasis MT Pro Light" panose="020B0604020202020204" pitchFamily="18" charset="0"/>
+            </a:endParaRPr>
           </a:p>
         </p:txBody>
       </p:sp>
